--- a/Dos and Don’ts for computational training.pptx
+++ b/Dos and Don’ts for computational training.pptx
@@ -5,7 +5,7 @@
     <p:sldMasterId id="2147483659" r:id="rId1"/>
   </p:sldMasterIdLst>
   <p:notesMasterIdLst>
-    <p:notesMasterId r:id="rId10"/>
+    <p:notesMasterId r:id="rId7"/>
   </p:notesMasterIdLst>
   <p:sldIdLst>
     <p:sldId id="256" r:id="rId2"/>
@@ -13,9 +13,6 @@
     <p:sldId id="258" r:id="rId4"/>
     <p:sldId id="259" r:id="rId5"/>
     <p:sldId id="260" r:id="rId6"/>
-    <p:sldId id="262" r:id="rId7"/>
-    <p:sldId id="263" r:id="rId8"/>
-    <p:sldId id="264" r:id="rId9"/>
   </p:sldIdLst>
   <p:sldSz cx="9144000" cy="5143500" type="screen16x9"/>
   <p:notesSz cx="6858000" cy="9144000"/>
@@ -250,7 +247,7 @@
   </p:defaultTextStyle>
   <p:extLst>
     <p:ext uri="{EFAFB233-063F-42B5-8137-9DF3F51BA10A}">
-      <p15:sldGuideLst xmlns:p15="http://schemas.microsoft.com/office/powerpoint/2012/main" xmlns:p14="http://schemas.microsoft.com/office/powerpoint/2010/main" xmlns:com="http://schemas.openxmlformats.org/drawingml/2006/compatibility" xmlns:pvml="urn:schemas-microsoft-com:office:powerpoint" xmlns:v="urn:schemas-microsoft-com:vml" xmlns:o="urn:schemas-microsoft-com:office:office" xmlns:dgm="http://schemas.openxmlformats.org/drawingml/2006/diagram" xmlns:c="http://schemas.openxmlformats.org/drawingml/2006/chart" xmlns:mv="urn:schemas-microsoft-com:mac:vml" xmlns:mc="http://schemas.openxmlformats.org/markup-compatibility/2006" xmlns="">
+      <p15:sldGuideLst xmlns="" xmlns:mc="http://schemas.openxmlformats.org/markup-compatibility/2006" xmlns:mv="urn:schemas-microsoft-com:mac:vml" xmlns:c="http://schemas.openxmlformats.org/drawingml/2006/chart" xmlns:dgm="http://schemas.openxmlformats.org/drawingml/2006/diagram" xmlns:o="urn:schemas-microsoft-com:office:office" xmlns:v="urn:schemas-microsoft-com:vml" xmlns:pvml="urn:schemas-microsoft-com:office:powerpoint" xmlns:com="http://schemas.openxmlformats.org/drawingml/2006/compatibility" xmlns:p14="http://schemas.microsoft.com/office/powerpoint/2010/main" xmlns:p15="http://schemas.microsoft.com/office/powerpoint/2012/main">
         <p15:guide id="1" orient="horz" pos="1620">
           <p15:clr>
             <a:srgbClr val="A4A3A4"/>
@@ -1190,214 +1187,6 @@
       <p:sp>
         <p:nvSpPr>
           <p:cNvPr id="75" name="Google Shape;75;g5c77bd15a8_0_34:notes"/>
-          <p:cNvSpPr txBox="1">
-            <a:spLocks noGrp="1"/>
-          </p:cNvSpPr>
-          <p:nvPr>
-            <p:ph type="body" idx="1"/>
-          </p:nvPr>
-        </p:nvSpPr>
-        <p:spPr>
-          <a:xfrm>
-            <a:off x="685800" y="4343400"/>
-            <a:ext cx="5486400" cy="4114800"/>
-          </a:xfrm>
-          <a:prstGeom prst="rect">
-            <a:avLst/>
-          </a:prstGeom>
-        </p:spPr>
-        <p:txBody>
-          <a:bodyPr spcFirstLastPara="1" wrap="square" lIns="91425" tIns="91425" rIns="91425" bIns="91425" anchor="t" anchorCtr="0">
-            <a:noAutofit/>
-          </a:bodyPr>
-          <a:lstStyle/>
-          <a:p>
-            <a:pPr marL="0" lvl="0" indent="0" algn="l" rtl="0">
-              <a:spcBef>
-                <a:spcPts val="0"/>
-              </a:spcBef>
-              <a:spcAft>
-                <a:spcPts val="0"/>
-              </a:spcAft>
-              <a:buNone/>
-            </a:pPr>
-            <a:endParaRPr/>
-          </a:p>
-        </p:txBody>
-      </p:sp>
-    </p:spTree>
-  </p:cSld>
-  <p:clrMapOvr>
-    <a:masterClrMapping/>
-  </p:clrMapOvr>
-</p:notes>
-</file>
-
-<file path=ppt/notesSlides/notesSlide6.xml><?xml version="1.0" encoding="utf-8"?>
-<p:notes xmlns:a="http://schemas.openxmlformats.org/drawingml/2006/main" xmlns:r="http://schemas.openxmlformats.org/officeDocument/2006/relationships" xmlns:p="http://schemas.openxmlformats.org/presentationml/2006/main" showMasterSp="0" showMasterPhAnim="0">
-  <p:cSld>
-    <p:spTree>
-      <p:nvGrpSpPr>
-        <p:cNvPr id="1" name="Shape 85"/>
-        <p:cNvGrpSpPr/>
-        <p:nvPr/>
-      </p:nvGrpSpPr>
-      <p:grpSpPr>
-        <a:xfrm>
-          <a:off x="0" y="0"/>
-          <a:ext cx="0" cy="0"/>
-          <a:chOff x="0" y="0"/>
-          <a:chExt cx="0" cy="0"/>
-        </a:xfrm>
-      </p:grpSpPr>
-      <p:sp>
-        <p:nvSpPr>
-          <p:cNvPr id="86" name="Google Shape;86;g5c77bd15a8_0_24:notes"/>
-          <p:cNvSpPr>
-            <a:spLocks noGrp="1" noRot="1" noChangeAspect="1"/>
-          </p:cNvSpPr>
-          <p:nvPr>
-            <p:ph type="sldImg" idx="2"/>
-          </p:nvPr>
-        </p:nvSpPr>
-        <p:spPr>
-          <a:xfrm>
-            <a:off x="381300" y="685800"/>
-            <a:ext cx="6096000" cy="3429000"/>
-          </a:xfrm>
-          <a:custGeom>
-            <a:avLst/>
-            <a:gdLst/>
-            <a:ahLst/>
-            <a:cxnLst/>
-            <a:rect l="l" t="t" r="r" b="b"/>
-            <a:pathLst>
-              <a:path w="120000" h="120000" extrusionOk="0">
-                <a:moveTo>
-                  <a:pt x="0" y="0"/>
-                </a:moveTo>
-                <a:lnTo>
-                  <a:pt x="120000" y="0"/>
-                </a:lnTo>
-                <a:lnTo>
-                  <a:pt x="120000" y="120000"/>
-                </a:lnTo>
-                <a:lnTo>
-                  <a:pt x="0" y="120000"/>
-                </a:lnTo>
-                <a:close/>
-              </a:path>
-            </a:pathLst>
-          </a:custGeom>
-        </p:spPr>
-      </p:sp>
-      <p:sp>
-        <p:nvSpPr>
-          <p:cNvPr id="87" name="Google Shape;87;g5c77bd15a8_0_24:notes"/>
-          <p:cNvSpPr txBox="1">
-            <a:spLocks noGrp="1"/>
-          </p:cNvSpPr>
-          <p:nvPr>
-            <p:ph type="body" idx="1"/>
-          </p:nvPr>
-        </p:nvSpPr>
-        <p:spPr>
-          <a:xfrm>
-            <a:off x="685800" y="4343400"/>
-            <a:ext cx="5486400" cy="4114800"/>
-          </a:xfrm>
-          <a:prstGeom prst="rect">
-            <a:avLst/>
-          </a:prstGeom>
-        </p:spPr>
-        <p:txBody>
-          <a:bodyPr spcFirstLastPara="1" wrap="square" lIns="91425" tIns="91425" rIns="91425" bIns="91425" anchor="t" anchorCtr="0">
-            <a:noAutofit/>
-          </a:bodyPr>
-          <a:lstStyle/>
-          <a:p>
-            <a:pPr marL="0" lvl="0" indent="0" algn="l" rtl="0">
-              <a:spcBef>
-                <a:spcPts val="0"/>
-              </a:spcBef>
-              <a:spcAft>
-                <a:spcPts val="0"/>
-              </a:spcAft>
-              <a:buNone/>
-            </a:pPr>
-            <a:endParaRPr/>
-          </a:p>
-        </p:txBody>
-      </p:sp>
-    </p:spTree>
-  </p:cSld>
-  <p:clrMapOvr>
-    <a:masterClrMapping/>
-  </p:clrMapOvr>
-</p:notes>
-</file>
-
-<file path=ppt/notesSlides/notesSlide7.xml><?xml version="1.0" encoding="utf-8"?>
-<p:notes xmlns:a="http://schemas.openxmlformats.org/drawingml/2006/main" xmlns:r="http://schemas.openxmlformats.org/officeDocument/2006/relationships" xmlns:p="http://schemas.openxmlformats.org/presentationml/2006/main" showMasterSp="0" showMasterPhAnim="0">
-  <p:cSld>
-    <p:spTree>
-      <p:nvGrpSpPr>
-        <p:cNvPr id="1" name="Shape 91"/>
-        <p:cNvGrpSpPr/>
-        <p:nvPr/>
-      </p:nvGrpSpPr>
-      <p:grpSpPr>
-        <a:xfrm>
-          <a:off x="0" y="0"/>
-          <a:ext cx="0" cy="0"/>
-          <a:chOff x="0" y="0"/>
-          <a:chExt cx="0" cy="0"/>
-        </a:xfrm>
-      </p:grpSpPr>
-      <p:sp>
-        <p:nvSpPr>
-          <p:cNvPr id="92" name="Google Shape;92;g5c77bd15a8_0_29:notes"/>
-          <p:cNvSpPr>
-            <a:spLocks noGrp="1" noRot="1" noChangeAspect="1"/>
-          </p:cNvSpPr>
-          <p:nvPr>
-            <p:ph type="sldImg" idx="2"/>
-          </p:nvPr>
-        </p:nvSpPr>
-        <p:spPr>
-          <a:xfrm>
-            <a:off x="381300" y="685800"/>
-            <a:ext cx="6096000" cy="3429000"/>
-          </a:xfrm>
-          <a:custGeom>
-            <a:avLst/>
-            <a:gdLst/>
-            <a:ahLst/>
-            <a:cxnLst/>
-            <a:rect l="l" t="t" r="r" b="b"/>
-            <a:pathLst>
-              <a:path w="120000" h="120000" extrusionOk="0">
-                <a:moveTo>
-                  <a:pt x="0" y="0"/>
-                </a:moveTo>
-                <a:lnTo>
-                  <a:pt x="120000" y="0"/>
-                </a:lnTo>
-                <a:lnTo>
-                  <a:pt x="120000" y="120000"/>
-                </a:lnTo>
-                <a:lnTo>
-                  <a:pt x="0" y="120000"/>
-                </a:lnTo>
-                <a:close/>
-              </a:path>
-            </a:pathLst>
-          </a:custGeom>
-        </p:spPr>
-      </p:sp>
-      <p:sp>
-        <p:nvSpPr>
-          <p:cNvPr id="93" name="Google Shape;93;g5c77bd15a8_0_29:notes"/>
           <p:cNvSpPr txBox="1">
             <a:spLocks noGrp="1"/>
           </p:cNvSpPr>
@@ -6875,431 +6664,6 @@
 </p:sld>
 </file>
 
-<file path=ppt/slides/slide6.xml><?xml version="1.0" encoding="utf-8"?>
-<p:sld xmlns:a="http://schemas.openxmlformats.org/drawingml/2006/main" xmlns:r="http://schemas.openxmlformats.org/officeDocument/2006/relationships" xmlns:p="http://schemas.openxmlformats.org/presentationml/2006/main">
-  <p:cSld>
-    <p:spTree>
-      <p:nvGrpSpPr>
-        <p:cNvPr id="1" name="Shape 88"/>
-        <p:cNvGrpSpPr/>
-        <p:nvPr/>
-      </p:nvGrpSpPr>
-      <p:grpSpPr>
-        <a:xfrm>
-          <a:off x="0" y="0"/>
-          <a:ext cx="0" cy="0"/>
-          <a:chOff x="0" y="0"/>
-          <a:chExt cx="0" cy="0"/>
-        </a:xfrm>
-      </p:grpSpPr>
-      <p:sp>
-        <p:nvSpPr>
-          <p:cNvPr id="89" name="Google Shape;89;p19"/>
-          <p:cNvSpPr txBox="1">
-            <a:spLocks noGrp="1"/>
-          </p:cNvSpPr>
-          <p:nvPr>
-            <p:ph type="title"/>
-          </p:nvPr>
-        </p:nvSpPr>
-        <p:spPr>
-          <a:xfrm>
-            <a:off x="311700" y="445025"/>
-            <a:ext cx="8520600" cy="572700"/>
-          </a:xfrm>
-          <a:prstGeom prst="rect">
-            <a:avLst/>
-          </a:prstGeom>
-        </p:spPr>
-        <p:txBody>
-          <a:bodyPr spcFirstLastPara="1" wrap="square" lIns="91425" tIns="91425" rIns="91425" bIns="91425" anchor="t" anchorCtr="0">
-            <a:noAutofit/>
-          </a:bodyPr>
-          <a:lstStyle/>
-          <a:p>
-            <a:pPr marL="0" lvl="0" indent="0" algn="ctr" rtl="0">
-              <a:lnSpc>
-                <a:spcPct val="115000"/>
-              </a:lnSpc>
-              <a:spcBef>
-                <a:spcPts val="1800"/>
-              </a:spcBef>
-              <a:spcAft>
-                <a:spcPts val="0"/>
-              </a:spcAft>
-              <a:buClr>
-                <a:schemeClr val="dk1"/>
-              </a:buClr>
-              <a:buSzPts val="1100"/>
-              <a:buFont typeface="Arial"/>
-              <a:buNone/>
-            </a:pPr>
-            <a:r>
-              <a:rPr lang="en-GB" sz="3000" u="sng" dirty="0">
-                <a:solidFill>
-                  <a:srgbClr val="1155CC"/>
-                </a:solidFill>
-                <a:hlinkClick r:id="rId3"/>
-              </a:rPr>
-              <a:t>http://tiny.cc/dosdiscussion</a:t>
-            </a:r>
-            <a:endParaRPr sz="3000" dirty="0"/>
-          </a:p>
-          <a:p>
-            <a:pPr marL="0" lvl="0" indent="0" algn="ctr" rtl="0">
-              <a:spcBef>
-                <a:spcPts val="600"/>
-              </a:spcBef>
-              <a:spcAft>
-                <a:spcPts val="0"/>
-              </a:spcAft>
-              <a:buNone/>
-            </a:pPr>
-            <a:endParaRPr sz="3000" dirty="0"/>
-          </a:p>
-        </p:txBody>
-      </p:sp>
-      <p:sp>
-        <p:nvSpPr>
-          <p:cNvPr id="90" name="Google Shape;90;p19"/>
-          <p:cNvSpPr txBox="1">
-            <a:spLocks noGrp="1"/>
-          </p:cNvSpPr>
-          <p:nvPr>
-            <p:ph type="body" idx="1"/>
-          </p:nvPr>
-        </p:nvSpPr>
-        <p:spPr>
-          <a:xfrm>
-            <a:off x="311700" y="1152475"/>
-            <a:ext cx="8520600" cy="3416400"/>
-          </a:xfrm>
-          <a:prstGeom prst="rect">
-            <a:avLst/>
-          </a:prstGeom>
-        </p:spPr>
-        <p:txBody>
-          <a:bodyPr spcFirstLastPara="1" wrap="square" lIns="91425" tIns="91425" rIns="91425" bIns="91425" anchor="t" anchorCtr="0">
-            <a:noAutofit/>
-          </a:bodyPr>
-          <a:lstStyle/>
-          <a:p>
-            <a:pPr marL="0" lvl="0" indent="0" algn="l" rtl="0">
-              <a:spcBef>
-                <a:spcPts val="0"/>
-              </a:spcBef>
-              <a:spcAft>
-                <a:spcPts val="0"/>
-              </a:spcAft>
-              <a:buNone/>
-            </a:pPr>
-            <a:endParaRPr dirty="0"/>
-          </a:p>
-          <a:p>
-            <a:pPr marL="0" lvl="0" indent="0" algn="l" rtl="0">
-              <a:spcBef>
-                <a:spcPts val="1600"/>
-              </a:spcBef>
-              <a:spcAft>
-                <a:spcPts val="0"/>
-              </a:spcAft>
-              <a:buNone/>
-            </a:pPr>
-            <a:r>
-              <a:rPr lang="en-GB" dirty="0"/>
-              <a:t>Discussion points</a:t>
-            </a:r>
-            <a:endParaRPr dirty="0"/>
-          </a:p>
-          <a:p>
-            <a:pPr marL="0" lvl="0" indent="0" algn="l" rtl="0">
-              <a:spcBef>
-                <a:spcPts val="1600"/>
-              </a:spcBef>
-              <a:spcAft>
-                <a:spcPts val="1600"/>
-              </a:spcAft>
-              <a:buNone/>
-            </a:pPr>
-            <a:endParaRPr dirty="0"/>
-          </a:p>
-        </p:txBody>
-      </p:sp>
-    </p:spTree>
-  </p:cSld>
-  <p:clrMapOvr>
-    <a:masterClrMapping/>
-  </p:clrMapOvr>
-</p:sld>
-</file>
-
-<file path=ppt/slides/slide7.xml><?xml version="1.0" encoding="utf-8"?>
-<p:sld xmlns:a="http://schemas.openxmlformats.org/drawingml/2006/main" xmlns:r="http://schemas.openxmlformats.org/officeDocument/2006/relationships" xmlns:p="http://schemas.openxmlformats.org/presentationml/2006/main">
-  <p:cSld>
-    <p:spTree>
-      <p:nvGrpSpPr>
-        <p:cNvPr id="1" name="Shape 94"/>
-        <p:cNvGrpSpPr/>
-        <p:nvPr/>
-      </p:nvGrpSpPr>
-      <p:grpSpPr>
-        <a:xfrm>
-          <a:off x="0" y="0"/>
-          <a:ext cx="0" cy="0"/>
-          <a:chOff x="0" y="0"/>
-          <a:chExt cx="0" cy="0"/>
-        </a:xfrm>
-      </p:grpSpPr>
-      <p:sp>
-        <p:nvSpPr>
-          <p:cNvPr id="95" name="Google Shape;95;p20"/>
-          <p:cNvSpPr txBox="1">
-            <a:spLocks noGrp="1"/>
-          </p:cNvSpPr>
-          <p:nvPr>
-            <p:ph type="title"/>
-          </p:nvPr>
-        </p:nvSpPr>
-        <p:spPr>
-          <a:xfrm>
-            <a:off x="311700" y="445025"/>
-            <a:ext cx="8520600" cy="572700"/>
-          </a:xfrm>
-          <a:prstGeom prst="rect">
-            <a:avLst/>
-          </a:prstGeom>
-        </p:spPr>
-        <p:txBody>
-          <a:bodyPr spcFirstLastPara="1" wrap="square" lIns="91425" tIns="91425" rIns="91425" bIns="91425" anchor="t" anchorCtr="0">
-            <a:noAutofit/>
-          </a:bodyPr>
-          <a:lstStyle/>
-          <a:p>
-            <a:pPr marL="0" lvl="0" indent="0" algn="ctr" rtl="0">
-              <a:lnSpc>
-                <a:spcPct val="115000"/>
-              </a:lnSpc>
-              <a:spcBef>
-                <a:spcPts val="1800"/>
-              </a:spcBef>
-              <a:spcAft>
-                <a:spcPts val="0"/>
-              </a:spcAft>
-              <a:buClr>
-                <a:schemeClr val="dk1"/>
-              </a:buClr>
-              <a:buSzPts val="1100"/>
-              <a:buFont typeface="Arial"/>
-              <a:buNone/>
-            </a:pPr>
-            <a:r>
-              <a:rPr lang="en-GB" sz="3000" u="sng" dirty="0">
-                <a:solidFill>
-                  <a:srgbClr val="1155CC"/>
-                </a:solidFill>
-                <a:hlinkClick r:id="rId3"/>
-              </a:rPr>
-              <a:t>http://tiny.cc/dosfeedback</a:t>
-            </a:r>
-            <a:endParaRPr sz="3000" dirty="0"/>
-          </a:p>
-          <a:p>
-            <a:pPr marL="0" lvl="0" indent="0" algn="ctr" rtl="0">
-              <a:spcBef>
-                <a:spcPts val="600"/>
-              </a:spcBef>
-              <a:spcAft>
-                <a:spcPts val="0"/>
-              </a:spcAft>
-              <a:buNone/>
-            </a:pPr>
-            <a:endParaRPr sz="3000" dirty="0"/>
-          </a:p>
-        </p:txBody>
-      </p:sp>
-      <p:sp>
-        <p:nvSpPr>
-          <p:cNvPr id="96" name="Google Shape;96;p20"/>
-          <p:cNvSpPr txBox="1">
-            <a:spLocks noGrp="1"/>
-          </p:cNvSpPr>
-          <p:nvPr>
-            <p:ph type="body" idx="1"/>
-          </p:nvPr>
-        </p:nvSpPr>
-        <p:spPr>
-          <a:xfrm>
-            <a:off x="311700" y="1152475"/>
-            <a:ext cx="8520600" cy="3416400"/>
-          </a:xfrm>
-          <a:prstGeom prst="rect">
-            <a:avLst/>
-          </a:prstGeom>
-        </p:spPr>
-        <p:txBody>
-          <a:bodyPr spcFirstLastPara="1" wrap="square" lIns="91425" tIns="91425" rIns="91425" bIns="91425" anchor="t" anchorCtr="0">
-            <a:noAutofit/>
-          </a:bodyPr>
-          <a:lstStyle/>
-          <a:p>
-            <a:pPr marL="0" lvl="0" indent="0" algn="l" rtl="0">
-              <a:spcBef>
-                <a:spcPts val="0"/>
-              </a:spcBef>
-              <a:spcAft>
-                <a:spcPts val="0"/>
-              </a:spcAft>
-              <a:buNone/>
-            </a:pPr>
-            <a:r>
-              <a:rPr lang="en-GB" u="sng" dirty="0">
-                <a:solidFill>
-                  <a:schemeClr val="hlink"/>
-                </a:solidFill>
-                <a:hlinkClick r:id="rId4"/>
-              </a:rPr>
-              <a:t>https://docs.google.com/forms/d/1KgpRoxt1TuX_2tft0SbKgHWMipx1H8UVUxekhkMQWaA/edit</a:t>
-            </a:r>
-            <a:endParaRPr dirty="0"/>
-          </a:p>
-          <a:p>
-            <a:pPr marL="0" lvl="0" indent="0" algn="l" rtl="0">
-              <a:spcBef>
-                <a:spcPts val="1600"/>
-              </a:spcBef>
-              <a:spcAft>
-                <a:spcPts val="0"/>
-              </a:spcAft>
-              <a:buNone/>
-            </a:pPr>
-            <a:endParaRPr dirty="0"/>
-          </a:p>
-          <a:p>
-            <a:pPr marL="0" lvl="0" indent="0" algn="l" rtl="0">
-              <a:spcBef>
-                <a:spcPts val="1600"/>
-              </a:spcBef>
-              <a:spcAft>
-                <a:spcPts val="1600"/>
-              </a:spcAft>
-              <a:buNone/>
-            </a:pPr>
-            <a:r>
-              <a:rPr lang="en-GB" dirty="0"/>
-              <a:t>Survey and Feedback</a:t>
-            </a:r>
-            <a:endParaRPr dirty="0"/>
-          </a:p>
-        </p:txBody>
-      </p:sp>
-    </p:spTree>
-  </p:cSld>
-  <p:clrMapOvr>
-    <a:masterClrMapping/>
-  </p:clrMapOvr>
-</p:sld>
-</file>
-
-<file path=ppt/slides/slide8.xml><?xml version="1.0" encoding="utf-8"?>
-<p:sld xmlns:a="http://schemas.openxmlformats.org/drawingml/2006/main" xmlns:r="http://schemas.openxmlformats.org/officeDocument/2006/relationships" xmlns:p="http://schemas.openxmlformats.org/presentationml/2006/main">
-  <p:cSld>
-    <p:spTree>
-      <p:nvGrpSpPr>
-        <p:cNvPr id="1" name=""/>
-        <p:cNvGrpSpPr/>
-        <p:nvPr/>
-      </p:nvGrpSpPr>
-      <p:grpSpPr>
-        <a:xfrm>
-          <a:off x="0" y="0"/>
-          <a:ext cx="0" cy="0"/>
-          <a:chOff x="0" y="0"/>
-          <a:chExt cx="0" cy="0"/>
-        </a:xfrm>
-      </p:grpSpPr>
-      <p:sp>
-        <p:nvSpPr>
-          <p:cNvPr id="2" name="Title 1"/>
-          <p:cNvSpPr>
-            <a:spLocks noGrp="1"/>
-          </p:cNvSpPr>
-          <p:nvPr>
-            <p:ph type="title"/>
-          </p:nvPr>
-        </p:nvSpPr>
-        <p:spPr/>
-        <p:txBody>
-          <a:bodyPr/>
-          <a:lstStyle/>
-          <a:p>
-            <a:r>
-              <a:rPr lang="en-US" dirty="0" smtClean="0"/>
-              <a:t>Files</a:t>
-            </a:r>
-            <a:endParaRPr lang="en-US" dirty="0"/>
-          </a:p>
-        </p:txBody>
-      </p:sp>
-      <p:sp>
-        <p:nvSpPr>
-          <p:cNvPr id="3" name="Text Placeholder 2"/>
-          <p:cNvSpPr>
-            <a:spLocks noGrp="1"/>
-          </p:cNvSpPr>
-          <p:nvPr>
-            <p:ph type="body" idx="1"/>
-          </p:nvPr>
-        </p:nvSpPr>
-        <p:spPr/>
-        <p:txBody>
-          <a:bodyPr/>
-          <a:lstStyle/>
-          <a:p>
-            <a:r>
-              <a:rPr lang="en-US" dirty="0" smtClean="0"/>
-              <a:t>Presentation</a:t>
-            </a:r>
-          </a:p>
-          <a:p>
-            <a:r>
-              <a:rPr lang="en-US" dirty="0" smtClean="0"/>
-              <a:t>Audience intro + Group input </a:t>
-            </a:r>
-          </a:p>
-          <a:p>
-            <a:r>
-              <a:rPr lang="en-US" dirty="0" smtClean="0"/>
-              <a:t>Discussion points</a:t>
-            </a:r>
-          </a:p>
-          <a:p>
-            <a:r>
-              <a:rPr lang="en-US" smtClean="0"/>
-              <a:t>Feedback survey. </a:t>
-            </a:r>
-            <a:endParaRPr lang="en-US" dirty="0" smtClean="0"/>
-          </a:p>
-          <a:p>
-            <a:endParaRPr lang="en-US" dirty="0" smtClean="0"/>
-          </a:p>
-          <a:p>
-            <a:endParaRPr lang="en-US" dirty="0" smtClean="0"/>
-          </a:p>
-        </p:txBody>
-      </p:sp>
-    </p:spTree>
-    <p:extLst>
-      <p:ext uri="{BB962C8B-B14F-4D97-AF65-F5344CB8AC3E}">
-        <p14:creationId xmlns:p14="http://schemas.microsoft.com/office/powerpoint/2010/main" val="4230934018"/>
-      </p:ext>
-    </p:extLst>
-  </p:cSld>
-  <p:clrMapOvr>
-    <a:masterClrMapping/>
-  </p:clrMapOvr>
-</p:sld>
-</file>
-
 <file path=ppt/theme/theme1.xml><?xml version="1.0" encoding="utf-8"?>
 <a:theme xmlns:a="http://schemas.openxmlformats.org/drawingml/2006/main" name="Simple Light">
   <a:themeElements>
